--- a/{{cookiecutter.project_slug}}/assets/styles/geo-tuwien-template.pptx
+++ b/{{cookiecutter.project_slug}}/assets/styles/geo-tuwien-template.pptx
@@ -258,7 +258,7 @@
               <a:pPr>
                 <a:defRPr/>
               </a:pPr>
-              <a:t>6/27/2023</a:t>
+              <a:t>10/17/2023</a:t>
             </a:fld>
             <a:endParaRPr lang="en-US"/>
           </a:p>
@@ -1339,7 +1339,7 @@
               <a:pPr>
                 <a:defRPr/>
               </a:pPr>
-              <a:t>6/27/2023</a:t>
+              <a:t>10/17/2023</a:t>
             </a:fld>
             <a:endParaRPr lang="en-US"/>
           </a:p>
@@ -1543,7 +1543,7 @@
               <a:pPr>
                 <a:defRPr/>
               </a:pPr>
-              <a:t>6/27/2023</a:t>
+              <a:t>10/17/2023</a:t>
             </a:fld>
             <a:endParaRPr lang="en-US"/>
           </a:p>
@@ -1750,7 +1750,7 @@
               <a:pPr>
                 <a:defRPr/>
               </a:pPr>
-              <a:t>6/27/2023</a:t>
+              <a:t>10/17/2023</a:t>
             </a:fld>
             <a:endParaRPr lang="en-US"/>
           </a:p>
@@ -1959,7 +1959,7 @@
               <a:pPr>
                 <a:defRPr/>
               </a:pPr>
-              <a:t>6/27/2023</a:t>
+              <a:t>10/17/2023</a:t>
             </a:fld>
             <a:endParaRPr lang="en-US"/>
           </a:p>
@@ -2240,7 +2240,7 @@
               <a:pPr>
                 <a:defRPr/>
               </a:pPr>
-              <a:t>6/27/2023</a:t>
+              <a:t>10/17/2023</a:t>
             </a:fld>
             <a:endParaRPr lang="en-US"/>
           </a:p>
@@ -2565,7 +2565,7 @@
               <a:pPr>
                 <a:defRPr/>
               </a:pPr>
-              <a:t>6/27/2023</a:t>
+              <a:t>10/17/2023</a:t>
             </a:fld>
             <a:endParaRPr lang="en-US"/>
           </a:p>
@@ -3014,7 +3014,7 @@
               <a:pPr>
                 <a:defRPr/>
               </a:pPr>
-              <a:t>6/27/2023</a:t>
+              <a:t>10/17/2023</a:t>
             </a:fld>
             <a:endParaRPr lang="en-US"/>
           </a:p>
@@ -3159,7 +3159,7 @@
               <a:pPr>
                 <a:defRPr/>
               </a:pPr>
-              <a:t>6/27/2023</a:t>
+              <a:t>10/17/2023</a:t>
             </a:fld>
             <a:endParaRPr lang="en-US"/>
           </a:p>
@@ -3281,7 +3281,7 @@
               <a:pPr>
                 <a:defRPr/>
               </a:pPr>
-              <a:t>6/27/2023</a:t>
+              <a:t>10/17/2023</a:t>
             </a:fld>
             <a:endParaRPr lang="en-US"/>
           </a:p>
@@ -3585,7 +3585,7 @@
               <a:pPr>
                 <a:defRPr/>
               </a:pPr>
-              <a:t>6/27/2023</a:t>
+              <a:t>10/17/2023</a:t>
             </a:fld>
             <a:endParaRPr lang="en-US"/>
           </a:p>
@@ -3872,7 +3872,7 @@
               <a:pPr>
                 <a:defRPr/>
               </a:pPr>
-              <a:t>6/27/2023</a:t>
+              <a:t>10/17/2023</a:t>
             </a:fld>
             <a:endParaRPr lang="en-US"/>
           </a:p>
@@ -3956,7 +3956,9 @@
     <p:bg>
       <p:bgPr>
         <a:blipFill dpi="0" rotWithShape="0">
-          <a:blip r:embed="rId13"/>
+          <a:blip r:embed="rId13">
+            <a:lum/>
+          </a:blip>
           <a:srcRect/>
           <a:stretch>
             <a:fillRect/>
@@ -4171,7 +4173,7 @@
               <a:pPr>
                 <a:defRPr/>
               </a:pPr>
-              <a:t>6/27/2023</a:t>
+              <a:t>10/17/2023</a:t>
             </a:fld>
             <a:endParaRPr lang="en-US"/>
           </a:p>
